--- a/Chapitre_01_Correction/TP/TP_Avion.pptx
+++ b/Chapitre_01_Correction/TP/TP_Avion.pptx
@@ -4,6 +4,9 @@
   <p:sldMasterIdLst>
     <p:sldMasterId id="2147483648" r:id="rId1"/>
   </p:sldMasterIdLst>
+  <p:notesMasterIdLst>
+    <p:notesMasterId r:id="rId3"/>
+  </p:notesMasterIdLst>
   <p:sldIdLst>
     <p:sldId id="256" r:id="rId2"/>
   </p:sldIdLst>
@@ -104,7 +107,445 @@
       </a:defRPr>
     </a:lvl9pPr>
   </p:defaultTextStyle>
+  <p:extLst>
+    <p:ext uri="{EFAFB233-063F-42B5-8137-9DF3F51BA10A}">
+      <p15:sldGuideLst xmlns:p15="http://schemas.microsoft.com/office/powerpoint/2012/main"/>
+    </p:ext>
+  </p:extLst>
 </p:presentation>
+</file>
+
+<file path=ppt/notesMasters/notesMaster1.xml><?xml version="1.0" encoding="utf-8"?>
+<p:notesMaster xmlns:a="http://schemas.openxmlformats.org/drawingml/2006/main" xmlns:r="http://schemas.openxmlformats.org/officeDocument/2006/relationships" xmlns:p="http://schemas.openxmlformats.org/presentationml/2006/main">
+  <p:cSld>
+    <p:bg>
+      <p:bgRef idx="1001">
+        <a:schemeClr val="bg1"/>
+      </p:bgRef>
+    </p:bg>
+    <p:spTree>
+      <p:nvGrpSpPr>
+        <p:cNvPr id="1" name=""/>
+        <p:cNvGrpSpPr/>
+        <p:nvPr/>
+      </p:nvGrpSpPr>
+      <p:grpSpPr>
+        <a:xfrm>
+          <a:off x="0" y="0"/>
+          <a:ext cx="0" cy="0"/>
+          <a:chOff x="0" y="0"/>
+          <a:chExt cx="0" cy="0"/>
+        </a:xfrm>
+      </p:grpSpPr>
+      <p:sp>
+        <p:nvSpPr>
+          <p:cNvPr id="2" name="Espace réservé de l'en-tête 1"/>
+          <p:cNvSpPr>
+            <a:spLocks noGrp="1"/>
+          </p:cNvSpPr>
+          <p:nvPr>
+            <p:ph type="hdr" sz="quarter"/>
+          </p:nvPr>
+        </p:nvSpPr>
+        <p:spPr>
+          <a:xfrm>
+            <a:off x="0" y="0"/>
+            <a:ext cx="2971800" cy="458788"/>
+          </a:xfrm>
+          <a:prstGeom prst="rect">
+            <a:avLst/>
+          </a:prstGeom>
+        </p:spPr>
+        <p:txBody>
+          <a:bodyPr vert="horz" lIns="91440" tIns="45720" rIns="91440" bIns="45720" rtlCol="0"/>
+          <a:lstStyle>
+            <a:lvl1pPr algn="l">
+              <a:defRPr sz="1200"/>
+            </a:lvl1pPr>
+          </a:lstStyle>
+          <a:p>
+            <a:endParaRPr lang="fr-FR"/>
+          </a:p>
+        </p:txBody>
+      </p:sp>
+      <p:sp>
+        <p:nvSpPr>
+          <p:cNvPr id="3" name="Espace réservé de la date 2"/>
+          <p:cNvSpPr>
+            <a:spLocks noGrp="1"/>
+          </p:cNvSpPr>
+          <p:nvPr>
+            <p:ph type="dt" idx="1"/>
+          </p:nvPr>
+        </p:nvSpPr>
+        <p:spPr>
+          <a:xfrm>
+            <a:off x="3884613" y="0"/>
+            <a:ext cx="2971800" cy="458788"/>
+          </a:xfrm>
+          <a:prstGeom prst="rect">
+            <a:avLst/>
+          </a:prstGeom>
+        </p:spPr>
+        <p:txBody>
+          <a:bodyPr vert="horz" lIns="91440" tIns="45720" rIns="91440" bIns="45720" rtlCol="0"/>
+          <a:lstStyle>
+            <a:lvl1pPr algn="r">
+              <a:defRPr sz="1200"/>
+            </a:lvl1pPr>
+          </a:lstStyle>
+          <a:p>
+            <a:fld id="{C240C68A-5976-4C18-963E-6265CB2FA456}" type="datetimeFigureOut">
+              <a:rPr lang="fr-FR" smtClean="0"/>
+              <a:t>18/10/2018</a:t>
+            </a:fld>
+            <a:endParaRPr lang="fr-FR"/>
+          </a:p>
+        </p:txBody>
+      </p:sp>
+      <p:sp>
+        <p:nvSpPr>
+          <p:cNvPr id="4" name="Espace réservé de l'image des diapositives 3"/>
+          <p:cNvSpPr>
+            <a:spLocks noGrp="1" noRot="1" noChangeAspect="1"/>
+          </p:cNvSpPr>
+          <p:nvPr>
+            <p:ph type="sldImg" idx="2"/>
+          </p:nvPr>
+        </p:nvSpPr>
+        <p:spPr>
+          <a:xfrm>
+            <a:off x="685800" y="1143000"/>
+            <a:ext cx="5486400" cy="3086100"/>
+          </a:xfrm>
+          <a:prstGeom prst="rect">
+            <a:avLst/>
+          </a:prstGeom>
+          <a:noFill/>
+          <a:ln w="12700">
+            <a:solidFill>
+              <a:prstClr val="black"/>
+            </a:solidFill>
+          </a:ln>
+        </p:spPr>
+        <p:txBody>
+          <a:bodyPr vert="horz" lIns="91440" tIns="45720" rIns="91440" bIns="45720" rtlCol="0" anchor="ctr"/>
+          <a:lstStyle/>
+          <a:p>
+            <a:endParaRPr lang="fr-FR"/>
+          </a:p>
+        </p:txBody>
+      </p:sp>
+      <p:sp>
+        <p:nvSpPr>
+          <p:cNvPr id="5" name="Espace réservé des notes 4"/>
+          <p:cNvSpPr>
+            <a:spLocks noGrp="1"/>
+          </p:cNvSpPr>
+          <p:nvPr>
+            <p:ph type="body" sz="quarter" idx="3"/>
+          </p:nvPr>
+        </p:nvSpPr>
+        <p:spPr>
+          <a:xfrm>
+            <a:off x="685800" y="4400550"/>
+            <a:ext cx="5486400" cy="3600450"/>
+          </a:xfrm>
+          <a:prstGeom prst="rect">
+            <a:avLst/>
+          </a:prstGeom>
+        </p:spPr>
+        <p:txBody>
+          <a:bodyPr vert="horz" lIns="91440" tIns="45720" rIns="91440" bIns="45720" rtlCol="0"/>
+          <a:lstStyle/>
+          <a:p>
+            <a:pPr lvl="0"/>
+            <a:r>
+              <a:rPr lang="fr-FR"/>
+              <a:t>Modifier les styles du texte du masque</a:t>
+            </a:r>
+          </a:p>
+          <a:p>
+            <a:pPr lvl="1"/>
+            <a:r>
+              <a:rPr lang="fr-FR"/>
+              <a:t>Deuxième niveau</a:t>
+            </a:r>
+          </a:p>
+          <a:p>
+            <a:pPr lvl="2"/>
+            <a:r>
+              <a:rPr lang="fr-FR"/>
+              <a:t>Troisième niveau</a:t>
+            </a:r>
+          </a:p>
+          <a:p>
+            <a:pPr lvl="3"/>
+            <a:r>
+              <a:rPr lang="fr-FR"/>
+              <a:t>Quatrième niveau</a:t>
+            </a:r>
+          </a:p>
+          <a:p>
+            <a:pPr lvl="4"/>
+            <a:r>
+              <a:rPr lang="fr-FR"/>
+              <a:t>Cinquième niveau</a:t>
+            </a:r>
+          </a:p>
+        </p:txBody>
+      </p:sp>
+      <p:sp>
+        <p:nvSpPr>
+          <p:cNvPr id="6" name="Espace réservé du pied de page 5"/>
+          <p:cNvSpPr>
+            <a:spLocks noGrp="1"/>
+          </p:cNvSpPr>
+          <p:nvPr>
+            <p:ph type="ftr" sz="quarter" idx="4"/>
+          </p:nvPr>
+        </p:nvSpPr>
+        <p:spPr>
+          <a:xfrm>
+            <a:off x="0" y="8685213"/>
+            <a:ext cx="2971800" cy="458787"/>
+          </a:xfrm>
+          <a:prstGeom prst="rect">
+            <a:avLst/>
+          </a:prstGeom>
+        </p:spPr>
+        <p:txBody>
+          <a:bodyPr vert="horz" lIns="91440" tIns="45720" rIns="91440" bIns="45720" rtlCol="0" anchor="b"/>
+          <a:lstStyle>
+            <a:lvl1pPr algn="l">
+              <a:defRPr sz="1200"/>
+            </a:lvl1pPr>
+          </a:lstStyle>
+          <a:p>
+            <a:endParaRPr lang="fr-FR"/>
+          </a:p>
+        </p:txBody>
+      </p:sp>
+      <p:sp>
+        <p:nvSpPr>
+          <p:cNvPr id="7" name="Espace réservé du numéro de diapositive 6"/>
+          <p:cNvSpPr>
+            <a:spLocks noGrp="1"/>
+          </p:cNvSpPr>
+          <p:nvPr>
+            <p:ph type="sldNum" sz="quarter" idx="5"/>
+          </p:nvPr>
+        </p:nvSpPr>
+        <p:spPr>
+          <a:xfrm>
+            <a:off x="3884613" y="8685213"/>
+            <a:ext cx="2971800" cy="458787"/>
+          </a:xfrm>
+          <a:prstGeom prst="rect">
+            <a:avLst/>
+          </a:prstGeom>
+        </p:spPr>
+        <p:txBody>
+          <a:bodyPr vert="horz" lIns="91440" tIns="45720" rIns="91440" bIns="45720" rtlCol="0" anchor="b"/>
+          <a:lstStyle>
+            <a:lvl1pPr algn="r">
+              <a:defRPr sz="1200"/>
+            </a:lvl1pPr>
+          </a:lstStyle>
+          <a:p>
+            <a:fld id="{ABFCAC38-E2C3-4590-82B5-4ADD7A36ECFF}" type="slidenum">
+              <a:rPr lang="fr-FR" smtClean="0"/>
+              <a:t>‹N°›</a:t>
+            </a:fld>
+            <a:endParaRPr lang="fr-FR"/>
+          </a:p>
+        </p:txBody>
+      </p:sp>
+    </p:spTree>
+    <p:extLst>
+      <p:ext uri="{BB962C8B-B14F-4D97-AF65-F5344CB8AC3E}">
+        <p14:creationId xmlns:p14="http://schemas.microsoft.com/office/powerpoint/2010/main" val="652016591"/>
+      </p:ext>
+    </p:extLst>
+  </p:cSld>
+  <p:clrMap bg1="lt1" tx1="dk1" bg2="lt2" tx2="dk2" accent1="accent1" accent2="accent2" accent3="accent3" accent4="accent4" accent5="accent5" accent6="accent6" hlink="hlink" folHlink="folHlink"/>
+  <p:notesStyle>
+    <a:lvl1pPr marL="0" algn="l" defTabSz="914400" rtl="0" eaLnBrk="1" latinLnBrk="0" hangingPunct="1">
+      <a:defRPr sz="1200" kern="1200">
+        <a:solidFill>
+          <a:schemeClr val="tx1"/>
+        </a:solidFill>
+        <a:latin typeface="+mn-lt"/>
+        <a:ea typeface="+mn-ea"/>
+        <a:cs typeface="+mn-cs"/>
+      </a:defRPr>
+    </a:lvl1pPr>
+    <a:lvl2pPr marL="457200" algn="l" defTabSz="914400" rtl="0" eaLnBrk="1" latinLnBrk="0" hangingPunct="1">
+      <a:defRPr sz="1200" kern="1200">
+        <a:solidFill>
+          <a:schemeClr val="tx1"/>
+        </a:solidFill>
+        <a:latin typeface="+mn-lt"/>
+        <a:ea typeface="+mn-ea"/>
+        <a:cs typeface="+mn-cs"/>
+      </a:defRPr>
+    </a:lvl2pPr>
+    <a:lvl3pPr marL="914400" algn="l" defTabSz="914400" rtl="0" eaLnBrk="1" latinLnBrk="0" hangingPunct="1">
+      <a:defRPr sz="1200" kern="1200">
+        <a:solidFill>
+          <a:schemeClr val="tx1"/>
+        </a:solidFill>
+        <a:latin typeface="+mn-lt"/>
+        <a:ea typeface="+mn-ea"/>
+        <a:cs typeface="+mn-cs"/>
+      </a:defRPr>
+    </a:lvl3pPr>
+    <a:lvl4pPr marL="1371600" algn="l" defTabSz="914400" rtl="0" eaLnBrk="1" latinLnBrk="0" hangingPunct="1">
+      <a:defRPr sz="1200" kern="1200">
+        <a:solidFill>
+          <a:schemeClr val="tx1"/>
+        </a:solidFill>
+        <a:latin typeface="+mn-lt"/>
+        <a:ea typeface="+mn-ea"/>
+        <a:cs typeface="+mn-cs"/>
+      </a:defRPr>
+    </a:lvl4pPr>
+    <a:lvl5pPr marL="1828800" algn="l" defTabSz="914400" rtl="0" eaLnBrk="1" latinLnBrk="0" hangingPunct="1">
+      <a:defRPr sz="1200" kern="1200">
+        <a:solidFill>
+          <a:schemeClr val="tx1"/>
+        </a:solidFill>
+        <a:latin typeface="+mn-lt"/>
+        <a:ea typeface="+mn-ea"/>
+        <a:cs typeface="+mn-cs"/>
+      </a:defRPr>
+    </a:lvl5pPr>
+    <a:lvl6pPr marL="2286000" algn="l" defTabSz="914400" rtl="0" eaLnBrk="1" latinLnBrk="0" hangingPunct="1">
+      <a:defRPr sz="1200" kern="1200">
+        <a:solidFill>
+          <a:schemeClr val="tx1"/>
+        </a:solidFill>
+        <a:latin typeface="+mn-lt"/>
+        <a:ea typeface="+mn-ea"/>
+        <a:cs typeface="+mn-cs"/>
+      </a:defRPr>
+    </a:lvl6pPr>
+    <a:lvl7pPr marL="2743200" algn="l" defTabSz="914400" rtl="0" eaLnBrk="1" latinLnBrk="0" hangingPunct="1">
+      <a:defRPr sz="1200" kern="1200">
+        <a:solidFill>
+          <a:schemeClr val="tx1"/>
+        </a:solidFill>
+        <a:latin typeface="+mn-lt"/>
+        <a:ea typeface="+mn-ea"/>
+        <a:cs typeface="+mn-cs"/>
+      </a:defRPr>
+    </a:lvl7pPr>
+    <a:lvl8pPr marL="3200400" algn="l" defTabSz="914400" rtl="0" eaLnBrk="1" latinLnBrk="0" hangingPunct="1">
+      <a:defRPr sz="1200" kern="1200">
+        <a:solidFill>
+          <a:schemeClr val="tx1"/>
+        </a:solidFill>
+        <a:latin typeface="+mn-lt"/>
+        <a:ea typeface="+mn-ea"/>
+        <a:cs typeface="+mn-cs"/>
+      </a:defRPr>
+    </a:lvl8pPr>
+    <a:lvl9pPr marL="3657600" algn="l" defTabSz="914400" rtl="0" eaLnBrk="1" latinLnBrk="0" hangingPunct="1">
+      <a:defRPr sz="1200" kern="1200">
+        <a:solidFill>
+          <a:schemeClr val="tx1"/>
+        </a:solidFill>
+        <a:latin typeface="+mn-lt"/>
+        <a:ea typeface="+mn-ea"/>
+        <a:cs typeface="+mn-cs"/>
+      </a:defRPr>
+    </a:lvl9pPr>
+  </p:notesStyle>
+</p:notesMaster>
+</file>
+
+<file path=ppt/notesSlides/notesSlide1.xml><?xml version="1.0" encoding="utf-8"?>
+<p:notes xmlns:a="http://schemas.openxmlformats.org/drawingml/2006/main" xmlns:r="http://schemas.openxmlformats.org/officeDocument/2006/relationships" xmlns:p="http://schemas.openxmlformats.org/presentationml/2006/main">
+  <p:cSld>
+    <p:spTree>
+      <p:nvGrpSpPr>
+        <p:cNvPr id="1" name=""/>
+        <p:cNvGrpSpPr/>
+        <p:nvPr/>
+      </p:nvGrpSpPr>
+      <p:grpSpPr>
+        <a:xfrm>
+          <a:off x="0" y="0"/>
+          <a:ext cx="0" cy="0"/>
+          <a:chOff x="0" y="0"/>
+          <a:chExt cx="0" cy="0"/>
+        </a:xfrm>
+      </p:grpSpPr>
+      <p:sp>
+        <p:nvSpPr>
+          <p:cNvPr id="2" name="Espace réservé de l'image des diapositives 1"/>
+          <p:cNvSpPr>
+            <a:spLocks noGrp="1" noRot="1" noChangeAspect="1"/>
+          </p:cNvSpPr>
+          <p:nvPr>
+            <p:ph type="sldImg"/>
+          </p:nvPr>
+        </p:nvSpPr>
+        <p:spPr/>
+      </p:sp>
+      <p:sp>
+        <p:nvSpPr>
+          <p:cNvPr id="3" name="Espace réservé des notes 2"/>
+          <p:cNvSpPr>
+            <a:spLocks noGrp="1"/>
+          </p:cNvSpPr>
+          <p:nvPr>
+            <p:ph type="body" idx="1"/>
+          </p:nvPr>
+        </p:nvSpPr>
+        <p:spPr/>
+        <p:txBody>
+          <a:bodyPr/>
+          <a:lstStyle/>
+          <a:p>
+            <a:endParaRPr lang="fr-FR" dirty="0"/>
+          </a:p>
+        </p:txBody>
+      </p:sp>
+      <p:sp>
+        <p:nvSpPr>
+          <p:cNvPr id="4" name="Espace réservé du numéro de diapositive 3"/>
+          <p:cNvSpPr>
+            <a:spLocks noGrp="1"/>
+          </p:cNvSpPr>
+          <p:nvPr>
+            <p:ph type="sldNum" sz="quarter" idx="5"/>
+          </p:nvPr>
+        </p:nvSpPr>
+        <p:spPr/>
+        <p:txBody>
+          <a:bodyPr/>
+          <a:lstStyle/>
+          <a:p>
+            <a:fld id="{ABFCAC38-E2C3-4590-82B5-4ADD7A36ECFF}" type="slidenum">
+              <a:rPr lang="fr-FR" smtClean="0"/>
+              <a:t>1</a:t>
+            </a:fld>
+            <a:endParaRPr lang="fr-FR"/>
+          </a:p>
+        </p:txBody>
+      </p:sp>
+    </p:spTree>
+    <p:extLst>
+      <p:ext uri="{BB962C8B-B14F-4D97-AF65-F5344CB8AC3E}">
+        <p14:creationId xmlns:p14="http://schemas.microsoft.com/office/powerpoint/2010/main" val="212516623"/>
+      </p:ext>
+    </p:extLst>
+  </p:cSld>
+  <p:clrMapOvr>
+    <a:masterClrMapping/>
+  </p:clrMapOvr>
+</p:notes>
 </file>
 
 <file path=ppt/slideLayouts/slideLayout1.xml><?xml version="1.0" encoding="utf-8"?>
@@ -3338,7 +3779,7 @@
               <p:nvPr>
                 <p:extLst>
                   <p:ext uri="{D42A27DB-BD31-4B8C-83A1-F6EECF244321}">
-                    <p14:modId xmlns:p14="http://schemas.microsoft.com/office/powerpoint/2010/main" val="1592143437"/>
+                    <p14:modId xmlns:p14="http://schemas.microsoft.com/office/powerpoint/2010/main" val="2485968183"/>
                   </p:ext>
                 </p:extLst>
               </p:nvPr>
@@ -3575,7 +4016,53 @@
                         <a:lstStyle/>
                         <a:p>
                           <a:pPr algn="ctr"/>
-                          <a:endParaRPr lang="fr-FR" sz="1200" b="1"/>
+                          <a14:m>
+                            <m:oMathPara xmlns:m="http://schemas.openxmlformats.org/officeDocument/2006/math">
+                              <m:oMathParaPr>
+                                <m:jc m:val="centerGroup"/>
+                              </m:oMathParaPr>
+                              <m:oMath xmlns:m="http://schemas.openxmlformats.org/officeDocument/2006/math">
+                                <m:sSub>
+                                  <m:sSubPr>
+                                    <m:ctrlPr>
+                                      <a:rPr lang="fr-FR" sz="1200" b="1" i="1" smtClean="0">
+                                        <a:latin typeface="Cambria Math" panose="02040503050406030204" pitchFamily="18" charset="0"/>
+                                      </a:rPr>
+                                    </m:ctrlPr>
+                                  </m:sSubPr>
+                                  <m:e>
+                                    <m:r>
+                                      <a:rPr lang="fr-FR" sz="1200" b="1" i="1" smtClean="0">
+                                        <a:latin typeface="Cambria Math" panose="02040503050406030204" pitchFamily="18" charset="0"/>
+                                      </a:rPr>
+                                      <m:t>𝑲</m:t>
+                                    </m:r>
+                                  </m:e>
+                                  <m:sub>
+                                    <m:r>
+                                      <a:rPr lang="fr-FR" sz="1200" b="1" i="1" smtClean="0">
+                                        <a:latin typeface="Cambria Math" panose="02040503050406030204" pitchFamily="18" charset="0"/>
+                                      </a:rPr>
+                                      <m:t>𝑷</m:t>
+                                    </m:r>
+                                  </m:sub>
+                                </m:sSub>
+                                <m:r>
+                                  <a:rPr lang="fr-FR" sz="1200" b="1" i="1" smtClean="0">
+                                    <a:latin typeface="Cambria Math" panose="02040503050406030204" pitchFamily="18" charset="0"/>
+                                  </a:rPr>
+                                  <m:t>=</m:t>
+                                </m:r>
+                                <m:r>
+                                  <a:rPr lang="fr-FR" sz="1200" b="1" i="1" smtClean="0">
+                                    <a:latin typeface="Cambria Math" panose="02040503050406030204" pitchFamily="18" charset="0"/>
+                                  </a:rPr>
+                                  <m:t>𝟓𝟎𝟎</m:t>
+                                </m:r>
+                              </m:oMath>
+                            </m:oMathPara>
+                          </a14:m>
+                          <a:endParaRPr lang="fr-FR" sz="1200" b="1" dirty="0"/>
                         </a:p>
                       </a:txBody>
                       <a:tcPr/>
@@ -3692,7 +4179,25 @@
                         <a:lstStyle/>
                         <a:p>
                           <a:pPr algn="ctr"/>
-                          <a:endParaRPr lang="fr-FR" sz="1200" b="1"/>
+                          <a14:m>
+                            <m:oMathPara xmlns:m="http://schemas.openxmlformats.org/officeDocument/2006/math">
+                              <m:oMathParaPr>
+                                <m:jc m:val="centerGroup"/>
+                              </m:oMathParaPr>
+                              <m:oMath xmlns:m="http://schemas.openxmlformats.org/officeDocument/2006/math">
+                                <m:r>
+                                  <a:rPr lang="fr-FR" sz="1200" b="1" i="1" smtClean="0">
+                                    <a:solidFill>
+                                      <a:srgbClr val="FF0000"/>
+                                    </a:solidFill>
+                                    <a:latin typeface="Cambria Math" panose="02040503050406030204" pitchFamily="18" charset="0"/>
+                                  </a:rPr>
+                                  <m:t>∞</m:t>
+                                </m:r>
+                              </m:oMath>
+                            </m:oMathPara>
+                          </a14:m>
+                          <a:endParaRPr lang="fr-FR" sz="1200" b="1" dirty="0"/>
                         </a:p>
                       </a:txBody>
                       <a:tcPr/>
@@ -3829,6 +4334,24 @@
                         <a:lstStyle/>
                         <a:p>
                           <a:pPr algn="ctr"/>
+                          <a14:m>
+                            <m:oMathPara xmlns:m="http://schemas.openxmlformats.org/officeDocument/2006/math">
+                              <m:oMathParaPr>
+                                <m:jc m:val="centerGroup"/>
+                              </m:oMathParaPr>
+                              <m:oMath xmlns:m="http://schemas.openxmlformats.org/officeDocument/2006/math">
+                                <m:r>
+                                  <a:rPr lang="fr-FR" sz="1200" b="1" i="1" smtClean="0">
+                                    <a:solidFill>
+                                      <a:srgbClr val="FF0000"/>
+                                    </a:solidFill>
+                                    <a:latin typeface="Cambria Math" panose="02040503050406030204" pitchFamily="18" charset="0"/>
+                                  </a:rPr>
+                                  <m:t>∞</m:t>
+                                </m:r>
+                              </m:oMath>
+                            </m:oMathPara>
+                          </a14:m>
                           <a:endParaRPr lang="fr-FR" sz="1200" b="1" dirty="0"/>
                         </a:p>
                       </a:txBody>
@@ -3952,6 +4475,24 @@
                         <a:lstStyle/>
                         <a:p>
                           <a:pPr algn="ctr"/>
+                          <a14:m>
+                            <m:oMathPara xmlns:m="http://schemas.openxmlformats.org/officeDocument/2006/math">
+                              <m:oMathParaPr>
+                                <m:jc m:val="centerGroup"/>
+                              </m:oMathParaPr>
+                              <m:oMath xmlns:m="http://schemas.openxmlformats.org/officeDocument/2006/math">
+                                <m:r>
+                                  <a:rPr lang="fr-FR" sz="1200" b="1" i="1" smtClean="0">
+                                    <a:solidFill>
+                                      <a:srgbClr val="FF0000"/>
+                                    </a:solidFill>
+                                    <a:latin typeface="Cambria Math" panose="02040503050406030204" pitchFamily="18" charset="0"/>
+                                  </a:rPr>
+                                  <m:t>∞</m:t>
+                                </m:r>
+                              </m:oMath>
+                            </m:oMathPara>
+                          </a14:m>
                           <a:endParaRPr lang="fr-FR" sz="1200" b="1" dirty="0"/>
                         </a:p>
                       </a:txBody>
@@ -4087,6 +4628,24 @@
                         <a:lstStyle/>
                         <a:p>
                           <a:pPr algn="ctr"/>
+                          <a14:m>
+                            <m:oMathPara xmlns:m="http://schemas.openxmlformats.org/officeDocument/2006/math">
+                              <m:oMathParaPr>
+                                <m:jc m:val="centerGroup"/>
+                              </m:oMathParaPr>
+                              <m:oMath xmlns:m="http://schemas.openxmlformats.org/officeDocument/2006/math">
+                                <m:r>
+                                  <a:rPr lang="fr-FR" sz="1200" b="1" i="1" smtClean="0">
+                                    <a:solidFill>
+                                      <a:srgbClr val="FF0000"/>
+                                    </a:solidFill>
+                                    <a:latin typeface="Cambria Math" panose="02040503050406030204" pitchFamily="18" charset="0"/>
+                                  </a:rPr>
+                                  <m:t>∞</m:t>
+                                </m:r>
+                              </m:oMath>
+                            </m:oMathPara>
+                          </a14:m>
                           <a:endParaRPr lang="fr-FR" sz="1200" b="1" dirty="0"/>
                         </a:p>
                       </a:txBody>
@@ -4330,7 +4889,7 @@
               <p:nvPr>
                 <p:extLst>
                   <p:ext uri="{D42A27DB-BD31-4B8C-83A1-F6EECF244321}">
-                    <p14:modId xmlns:p14="http://schemas.microsoft.com/office/powerpoint/2010/main" val="1592143437"/>
+                    <p14:modId xmlns:p14="http://schemas.microsoft.com/office/powerpoint/2010/main" val="2485968183"/>
                   </p:ext>
                 </p:extLst>
               </p:nvPr>
@@ -4445,7 +5004,7 @@
                       </a:txBody>
                       <a:tcPr>
                         <a:blipFill>
-                          <a:blip r:embed="rId2"/>
+                          <a:blip r:embed="rId3"/>
                           <a:stretch>
                             <a:fillRect l="-260078" t="-2128" r="-301550" b="-591489"/>
                           </a:stretch>
@@ -4462,7 +5021,7 @@
                       </a:txBody>
                       <a:tcPr>
                         <a:blipFill>
-                          <a:blip r:embed="rId2"/>
+                          <a:blip r:embed="rId3"/>
                           <a:stretch>
                             <a:fillRect l="-360078" t="-2128" r="-201550" b="-591489"/>
                           </a:stretch>
@@ -4474,11 +5033,17 @@
                         <a:bodyPr/>
                         <a:lstStyle/>
                         <a:p>
-                          <a:pPr algn="ctr"/>
-                          <a:endParaRPr lang="fr-FR" sz="1200" b="1"/>
-                        </a:p>
-                      </a:txBody>
-                      <a:tcPr/>
+                          <a:endParaRPr lang="fr-FR"/>
+                        </a:p>
+                      </a:txBody>
+                      <a:tcPr>
+                        <a:blipFill>
+                          <a:blip r:embed="rId3"/>
+                          <a:stretch>
+                            <a:fillRect l="-460078" t="-2128" r="-101550" b="-591489"/>
+                          </a:stretch>
+                        </a:blipFill>
+                      </a:tcPr>
                     </a:tc>
                     <a:tc>
                       <a:txBody>
@@ -4549,7 +5114,7 @@
                       </a:txBody>
                       <a:tcPr>
                         <a:blipFill>
-                          <a:blip r:embed="rId2"/>
+                          <a:blip r:embed="rId3"/>
                           <a:stretch>
                             <a:fillRect l="-260078" t="-104348" r="-301550" b="-504348"/>
                           </a:stretch>
@@ -4575,11 +5140,17 @@
                         <a:bodyPr/>
                         <a:lstStyle/>
                         <a:p>
-                          <a:pPr algn="ctr"/>
-                          <a:endParaRPr lang="fr-FR" sz="1200" b="1"/>
-                        </a:p>
-                      </a:txBody>
-                      <a:tcPr/>
+                          <a:endParaRPr lang="fr-FR"/>
+                        </a:p>
+                      </a:txBody>
+                      <a:tcPr>
+                        <a:blipFill>
+                          <a:blip r:embed="rId3"/>
+                          <a:stretch>
+                            <a:fillRect l="-460078" t="-104348" r="-101550" b="-504348"/>
+                          </a:stretch>
+                        </a:blipFill>
+                      </a:tcPr>
                     </a:tc>
                     <a:tc>
                       <a:txBody>
@@ -4654,7 +5225,7 @@
                       </a:txBody>
                       <a:tcPr>
                         <a:blipFill>
-                          <a:blip r:embed="rId2"/>
+                          <a:blip r:embed="rId3"/>
                           <a:stretch>
                             <a:fillRect l="-260078" t="-208889" r="-301550" b="-415556"/>
                           </a:stretch>
@@ -4680,11 +5251,17 @@
                         <a:bodyPr/>
                         <a:lstStyle/>
                         <a:p>
-                          <a:pPr algn="ctr"/>
-                          <a:endParaRPr lang="fr-FR" sz="1200" b="1" dirty="0"/>
-                        </a:p>
-                      </a:txBody>
-                      <a:tcPr/>
+                          <a:endParaRPr lang="fr-FR"/>
+                        </a:p>
+                      </a:txBody>
+                      <a:tcPr>
+                        <a:blipFill>
+                          <a:blip r:embed="rId3"/>
+                          <a:stretch>
+                            <a:fillRect l="-460078" t="-208889" r="-101550" b="-415556"/>
+                          </a:stretch>
+                        </a:blipFill>
+                      </a:tcPr>
                     </a:tc>
                     <a:tc>
                       <a:txBody>
@@ -4803,11 +5380,17 @@
                         <a:bodyPr/>
                         <a:lstStyle/>
                         <a:p>
-                          <a:pPr algn="ctr"/>
-                          <a:endParaRPr lang="fr-FR" sz="1200" b="1" dirty="0"/>
-                        </a:p>
-                      </a:txBody>
-                      <a:tcPr/>
+                          <a:endParaRPr lang="fr-FR"/>
+                        </a:p>
+                      </a:txBody>
+                      <a:tcPr>
+                        <a:blipFill>
+                          <a:blip r:embed="rId3"/>
+                          <a:stretch>
+                            <a:fillRect l="-460078" t="-308889" r="-101550" b="-315556"/>
+                          </a:stretch>
+                        </a:blipFill>
+                      </a:tcPr>
                     </a:tc>
                     <a:tc>
                       <a:txBody>
@@ -4938,11 +5521,17 @@
                         <a:bodyPr/>
                         <a:lstStyle/>
                         <a:p>
-                          <a:pPr algn="ctr"/>
-                          <a:endParaRPr lang="fr-FR" sz="1200" b="1" dirty="0"/>
-                        </a:p>
-                      </a:txBody>
-                      <a:tcPr/>
+                          <a:endParaRPr lang="fr-FR"/>
+                        </a:p>
+                      </a:txBody>
+                      <a:tcPr>
+                        <a:blipFill>
+                          <a:blip r:embed="rId3"/>
+                          <a:stretch>
+                            <a:fillRect l="-460078" t="-408889" r="-101550" b="-215556"/>
+                          </a:stretch>
+                        </a:blipFill>
+                      </a:tcPr>
                     </a:tc>
                     <a:tc>
                       <a:txBody>
@@ -5184,7 +5773,7 @@
             <p:spPr>
               <a:xfrm>
                 <a:off x="1302026" y="3776870"/>
-                <a:ext cx="7146235" cy="610936"/>
+                <a:ext cx="7146235" cy="1084784"/>
               </a:xfrm>
               <a:prstGeom prst="rect">
                 <a:avLst/>
@@ -5197,6 +5786,7 @@
               </a:bodyPr>
               <a:lstStyle/>
               <a:p>
+                <a:pPr/>
                 <a14:m>
                   <m:oMathPara xmlns:m="http://schemas.openxmlformats.org/officeDocument/2006/math">
                     <m:oMathParaPr>
@@ -5275,10 +5865,438 @@
                         <a:rPr lang="fr-FR" b="0" i="1" smtClean="0">
                           <a:latin typeface="Cambria Math" panose="02040503050406030204" pitchFamily="18" charset="0"/>
                         </a:rPr>
-                        <m:t>=5</m:t>
+                        <m:t>&gt;</m:t>
+                      </m:r>
+                      <m:r>
+                        <a:rPr lang="fr-FR" b="0" i="1" smtClean="0">
+                          <a:latin typeface="Cambria Math" panose="02040503050406030204" pitchFamily="18" charset="0"/>
+                        </a:rPr>
+                        <m:t>5</m:t>
+                      </m:r>
+                      <m:r>
+                        <a:rPr lang="fr-FR" b="0" i="1" smtClean="0">
+                          <a:latin typeface="Cambria Math" panose="02040503050406030204" pitchFamily="18" charset="0"/>
+                        </a:rPr>
+                        <m:t>⇒</m:t>
+                      </m:r>
+                      <m:sSub>
+                        <m:sSubPr>
+                          <m:ctrlPr>
+                            <a:rPr lang="fr-FR" b="0" i="1" smtClean="0">
+                              <a:latin typeface="Cambria Math" panose="02040503050406030204" pitchFamily="18" charset="0"/>
+                            </a:rPr>
+                          </m:ctrlPr>
+                        </m:sSubPr>
+                        <m:e>
+                          <m:r>
+                            <a:rPr lang="fr-FR" b="0" i="1" smtClean="0">
+                              <a:latin typeface="Cambria Math" panose="02040503050406030204" pitchFamily="18" charset="0"/>
+                            </a:rPr>
+                            <m:t>𝐾</m:t>
+                          </m:r>
+                        </m:e>
+                        <m:sub>
+                          <m:r>
+                            <a:rPr lang="fr-FR" b="0" i="1" smtClean="0">
+                              <a:latin typeface="Cambria Math" panose="02040503050406030204" pitchFamily="18" charset="0"/>
+                            </a:rPr>
+                            <m:t>𝑃</m:t>
+                          </m:r>
+                        </m:sub>
+                      </m:sSub>
+                      <m:r>
+                        <a:rPr lang="fr-FR" b="0" i="1" smtClean="0">
+                          <a:latin typeface="Cambria Math" panose="02040503050406030204" pitchFamily="18" charset="0"/>
+                        </a:rPr>
+                        <m:t>&gt;</m:t>
+                      </m:r>
+                      <m:f>
+                        <m:fPr>
+                          <m:ctrlPr>
+                            <a:rPr lang="fr-FR" b="0" i="1" smtClean="0">
+                              <a:latin typeface="Cambria Math" panose="02040503050406030204" pitchFamily="18" charset="0"/>
+                            </a:rPr>
+                          </m:ctrlPr>
+                        </m:fPr>
+                        <m:num>
+                          <m:r>
+                            <a:rPr lang="fr-FR" b="0" i="1" smtClean="0">
+                              <a:latin typeface="Cambria Math" panose="02040503050406030204" pitchFamily="18" charset="0"/>
+                            </a:rPr>
+                            <m:t>5</m:t>
+                          </m:r>
+                        </m:num>
+                        <m:den>
+                          <m:r>
+                            <a:rPr lang="fr-FR" b="0" i="1" smtClean="0">
+                              <a:latin typeface="Cambria Math" panose="02040503050406030204" pitchFamily="18" charset="0"/>
+                            </a:rPr>
+                            <m:t>0,01</m:t>
+                          </m:r>
+                        </m:den>
+                      </m:f>
+                      <m:r>
+                        <a:rPr lang="fr-FR" b="0" i="1" smtClean="0">
+                          <a:latin typeface="Cambria Math" panose="02040503050406030204" pitchFamily="18" charset="0"/>
+                        </a:rPr>
+                        <m:t>=500</m:t>
                       </m:r>
                     </m:oMath>
                   </m:oMathPara>
+                </a14:m>
+                <a:endParaRPr lang="fr-FR" dirty="0"/>
+              </a:p>
+              <a:p>
+                <a:pPr/>
+                <a:r>
+                  <a:rPr lang="fr-FR" dirty="0"/>
+                  <a:t>Avance de phase :</a:t>
+                </a:r>
+                <a14:m>
+                  <m:oMath xmlns:m="http://schemas.openxmlformats.org/officeDocument/2006/math">
+                    <m:func>
+                      <m:funcPr>
+                        <m:ctrlPr>
+                          <a:rPr lang="fr-FR" i="1"/>
+                        </m:ctrlPr>
+                      </m:funcPr>
+                      <m:fName>
+                        <m:r>
+                          <m:rPr>
+                            <m:sty m:val="p"/>
+                          </m:rPr>
+                          <a:rPr lang="fr-FR"/>
+                          <m:t>sin</m:t>
+                        </m:r>
+                      </m:fName>
+                      <m:e>
+                        <m:sSub>
+                          <m:sSubPr>
+                            <m:ctrlPr>
+                              <a:rPr lang="fr-FR" i="1"/>
+                            </m:ctrlPr>
+                          </m:sSubPr>
+                          <m:e>
+                            <m:r>
+                              <a:rPr lang="fr-FR" i="1"/>
+                              <m:t>𝜑</m:t>
+                            </m:r>
+                          </m:e>
+                          <m:sub>
+                            <m:r>
+                              <a:rPr lang="fr-FR" i="1"/>
+                              <m:t>𝑚</m:t>
+                            </m:r>
+                          </m:sub>
+                        </m:sSub>
+                      </m:e>
+                    </m:func>
+                    <m:r>
+                      <a:rPr lang="fr-FR" i="1"/>
+                      <m:t>=</m:t>
+                    </m:r>
+                    <m:f>
+                      <m:fPr>
+                        <m:ctrlPr>
+                          <a:rPr lang="fr-FR" i="1"/>
+                        </m:ctrlPr>
+                      </m:fPr>
+                      <m:num>
+                        <m:r>
+                          <a:rPr lang="fr-FR" i="1"/>
+                          <m:t>1−</m:t>
+                        </m:r>
+                        <m:r>
+                          <a:rPr lang="fr-FR" i="1"/>
+                          <m:t>𝑎</m:t>
+                        </m:r>
+                      </m:num>
+                      <m:den>
+                        <m:r>
+                          <a:rPr lang="fr-FR" i="1"/>
+                          <m:t>1+</m:t>
+                        </m:r>
+                        <m:r>
+                          <a:rPr lang="fr-FR" i="1"/>
+                          <m:t>𝑎</m:t>
+                        </m:r>
+                      </m:den>
+                    </m:f>
+                    <m:r>
+                      <a:rPr lang="fr-FR" b="0" i="1" smtClean="0">
+                        <a:latin typeface="Cambria Math" panose="02040503050406030204" pitchFamily="18" charset="0"/>
+                      </a:rPr>
+                      <m:t>⇔</m:t>
+                    </m:r>
+                    <m:r>
+                      <a:rPr lang="fr-FR" b="0" i="1" smtClean="0">
+                        <a:latin typeface="Cambria Math" panose="02040503050406030204" pitchFamily="18" charset="0"/>
+                      </a:rPr>
+                      <m:t>𝑎</m:t>
+                    </m:r>
+                    <m:r>
+                      <a:rPr lang="fr-FR" i="1">
+                        <a:latin typeface="Cambria Math" panose="02040503050406030204" pitchFamily="18" charset="0"/>
+                      </a:rPr>
+                      <m:t>=</m:t>
+                    </m:r>
+                    <m:f>
+                      <m:fPr>
+                        <m:ctrlPr>
+                          <a:rPr lang="fr-FR" i="1" smtClean="0">
+                            <a:latin typeface="Cambria Math" panose="02040503050406030204" pitchFamily="18" charset="0"/>
+                          </a:rPr>
+                        </m:ctrlPr>
+                      </m:fPr>
+                      <m:num>
+                        <m:r>
+                          <a:rPr lang="fr-FR" i="1">
+                            <a:latin typeface="Cambria Math" panose="02040503050406030204" pitchFamily="18" charset="0"/>
+                          </a:rPr>
+                          <m:t>1−</m:t>
+                        </m:r>
+                        <m:func>
+                          <m:funcPr>
+                            <m:ctrlPr>
+                              <a:rPr lang="fr-FR" i="1">
+                                <a:latin typeface="Cambria Math" panose="02040503050406030204" pitchFamily="18" charset="0"/>
+                              </a:rPr>
+                            </m:ctrlPr>
+                          </m:funcPr>
+                          <m:fName>
+                            <m:r>
+                              <m:rPr>
+                                <m:sty m:val="p"/>
+                              </m:rPr>
+                              <a:rPr lang="fr-FR">
+                                <a:latin typeface="Cambria Math" panose="02040503050406030204" pitchFamily="18" charset="0"/>
+                              </a:rPr>
+                              <m:t>sin</m:t>
+                            </m:r>
+                          </m:fName>
+                          <m:e>
+                            <m:sSub>
+                              <m:sSubPr>
+                                <m:ctrlPr>
+                                  <a:rPr lang="fr-FR" i="1">
+                                    <a:latin typeface="Cambria Math" panose="02040503050406030204" pitchFamily="18" charset="0"/>
+                                  </a:rPr>
+                                </m:ctrlPr>
+                              </m:sSubPr>
+                              <m:e>
+                                <m:r>
+                                  <a:rPr lang="fr-FR" i="1">
+                                    <a:latin typeface="Cambria Math" panose="02040503050406030204" pitchFamily="18" charset="0"/>
+                                  </a:rPr>
+                                  <m:t>𝜑</m:t>
+                                </m:r>
+                              </m:e>
+                              <m:sub>
+                                <m:r>
+                                  <a:rPr lang="fr-FR" i="1">
+                                    <a:latin typeface="Cambria Math" panose="02040503050406030204" pitchFamily="18" charset="0"/>
+                                  </a:rPr>
+                                  <m:t>𝑚</m:t>
+                                </m:r>
+                              </m:sub>
+                            </m:sSub>
+                          </m:e>
+                        </m:func>
+                      </m:num>
+                      <m:den>
+                        <m:r>
+                          <a:rPr lang="fr-FR" i="1">
+                            <a:latin typeface="Cambria Math" panose="02040503050406030204" pitchFamily="18" charset="0"/>
+                          </a:rPr>
+                          <m:t>1</m:t>
+                        </m:r>
+                        <m:r>
+                          <a:rPr lang="fr-FR" b="0" i="1" smtClean="0">
+                            <a:latin typeface="Cambria Math" panose="02040503050406030204" pitchFamily="18" charset="0"/>
+                          </a:rPr>
+                          <m:t>+</m:t>
+                        </m:r>
+                        <m:func>
+                          <m:funcPr>
+                            <m:ctrlPr>
+                              <a:rPr lang="fr-FR" i="1">
+                                <a:latin typeface="Cambria Math" panose="02040503050406030204" pitchFamily="18" charset="0"/>
+                              </a:rPr>
+                            </m:ctrlPr>
+                          </m:funcPr>
+                          <m:fName>
+                            <m:r>
+                              <m:rPr>
+                                <m:sty m:val="p"/>
+                              </m:rPr>
+                              <a:rPr lang="fr-FR">
+                                <a:latin typeface="Cambria Math" panose="02040503050406030204" pitchFamily="18" charset="0"/>
+                              </a:rPr>
+                              <m:t>sin</m:t>
+                            </m:r>
+                          </m:fName>
+                          <m:e>
+                            <m:sSub>
+                              <m:sSubPr>
+                                <m:ctrlPr>
+                                  <a:rPr lang="fr-FR" i="1">
+                                    <a:latin typeface="Cambria Math" panose="02040503050406030204" pitchFamily="18" charset="0"/>
+                                  </a:rPr>
+                                </m:ctrlPr>
+                              </m:sSubPr>
+                              <m:e>
+                                <m:r>
+                                  <a:rPr lang="fr-FR" i="1">
+                                    <a:latin typeface="Cambria Math" panose="02040503050406030204" pitchFamily="18" charset="0"/>
+                                  </a:rPr>
+                                  <m:t>𝜑</m:t>
+                                </m:r>
+                              </m:e>
+                              <m:sub>
+                                <m:r>
+                                  <a:rPr lang="fr-FR" i="1">
+                                    <a:latin typeface="Cambria Math" panose="02040503050406030204" pitchFamily="18" charset="0"/>
+                                  </a:rPr>
+                                  <m:t>𝑚</m:t>
+                                </m:r>
+                              </m:sub>
+                            </m:sSub>
+                          </m:e>
+                        </m:func>
+                      </m:den>
+                    </m:f>
+                    <m:r>
+                      <a:rPr lang="fr-FR" i="1">
+                        <a:latin typeface="Cambria Math" panose="02040503050406030204" pitchFamily="18" charset="0"/>
+                      </a:rPr>
+                      <m:t>=</m:t>
+                    </m:r>
+                    <m:f>
+                      <m:fPr>
+                        <m:ctrlPr>
+                          <a:rPr lang="fr-FR" i="1">
+                            <a:latin typeface="Cambria Math" panose="02040503050406030204" pitchFamily="18" charset="0"/>
+                          </a:rPr>
+                        </m:ctrlPr>
+                      </m:fPr>
+                      <m:num>
+                        <m:r>
+                          <a:rPr lang="fr-FR" i="1">
+                            <a:latin typeface="Cambria Math" panose="02040503050406030204" pitchFamily="18" charset="0"/>
+                          </a:rPr>
+                          <m:t>1−</m:t>
+                        </m:r>
+                        <m:func>
+                          <m:funcPr>
+                            <m:ctrlPr>
+                              <a:rPr lang="fr-FR" i="1">
+                                <a:latin typeface="Cambria Math" panose="02040503050406030204" pitchFamily="18" charset="0"/>
+                              </a:rPr>
+                            </m:ctrlPr>
+                          </m:funcPr>
+                          <m:fName>
+                            <m:r>
+                              <m:rPr>
+                                <m:sty m:val="p"/>
+                              </m:rPr>
+                              <a:rPr lang="fr-FR">
+                                <a:latin typeface="Cambria Math" panose="02040503050406030204" pitchFamily="18" charset="0"/>
+                              </a:rPr>
+                              <m:t>sin</m:t>
+                            </m:r>
+                          </m:fName>
+                          <m:e>
+                            <m:sSub>
+                              <m:sSubPr>
+                                <m:ctrlPr>
+                                  <a:rPr lang="fr-FR" i="1">
+                                    <a:latin typeface="Cambria Math" panose="02040503050406030204" pitchFamily="18" charset="0"/>
+                                  </a:rPr>
+                                </m:ctrlPr>
+                              </m:sSubPr>
+                              <m:e>
+                                <m:r>
+                                  <a:rPr lang="fr-FR" i="1">
+                                    <a:latin typeface="Cambria Math" panose="02040503050406030204" pitchFamily="18" charset="0"/>
+                                  </a:rPr>
+                                  <m:t>𝜑</m:t>
+                                </m:r>
+                              </m:e>
+                              <m:sub>
+                                <m:r>
+                                  <a:rPr lang="fr-FR" i="1">
+                                    <a:latin typeface="Cambria Math" panose="02040503050406030204" pitchFamily="18" charset="0"/>
+                                  </a:rPr>
+                                  <m:t>𝑚</m:t>
+                                </m:r>
+                              </m:sub>
+                            </m:sSub>
+                          </m:e>
+                        </m:func>
+                      </m:num>
+                      <m:den>
+                        <m:r>
+                          <a:rPr lang="fr-FR" i="1">
+                            <a:latin typeface="Cambria Math" panose="02040503050406030204" pitchFamily="18" charset="0"/>
+                          </a:rPr>
+                          <m:t>1</m:t>
+                        </m:r>
+                        <m:r>
+                          <a:rPr lang="fr-FR" i="1">
+                            <a:latin typeface="Cambria Math" panose="02040503050406030204" pitchFamily="18" charset="0"/>
+                          </a:rPr>
+                          <m:t>+</m:t>
+                        </m:r>
+                        <m:func>
+                          <m:funcPr>
+                            <m:ctrlPr>
+                              <a:rPr lang="fr-FR" i="1">
+                                <a:latin typeface="Cambria Math" panose="02040503050406030204" pitchFamily="18" charset="0"/>
+                              </a:rPr>
+                            </m:ctrlPr>
+                          </m:funcPr>
+                          <m:fName>
+                            <m:r>
+                              <m:rPr>
+                                <m:sty m:val="p"/>
+                              </m:rPr>
+                              <a:rPr lang="fr-FR">
+                                <a:latin typeface="Cambria Math" panose="02040503050406030204" pitchFamily="18" charset="0"/>
+                              </a:rPr>
+                              <m:t>sin</m:t>
+                            </m:r>
+                          </m:fName>
+                          <m:e>
+                            <m:sSub>
+                              <m:sSubPr>
+                                <m:ctrlPr>
+                                  <a:rPr lang="fr-FR" i="1">
+                                    <a:latin typeface="Cambria Math" panose="02040503050406030204" pitchFamily="18" charset="0"/>
+                                  </a:rPr>
+                                </m:ctrlPr>
+                              </m:sSubPr>
+                              <m:e>
+                                <m:r>
+                                  <a:rPr lang="fr-FR" i="1">
+                                    <a:latin typeface="Cambria Math" panose="02040503050406030204" pitchFamily="18" charset="0"/>
+                                  </a:rPr>
+                                  <m:t>𝜑</m:t>
+                                </m:r>
+                              </m:e>
+                              <m:sub>
+                                <m:r>
+                                  <a:rPr lang="fr-FR" i="1">
+                                    <a:latin typeface="Cambria Math" panose="02040503050406030204" pitchFamily="18" charset="0"/>
+                                  </a:rPr>
+                                  <m:t>𝑚</m:t>
+                                </m:r>
+                              </m:sub>
+                            </m:sSub>
+                          </m:e>
+                        </m:func>
+                      </m:den>
+                    </m:f>
+                  </m:oMath>
                 </a14:m>
                 <a:endParaRPr lang="fr-FR" dirty="0"/>
               </a:p>
@@ -5303,15 +6321,15 @@
             <p:spPr>
               <a:xfrm>
                 <a:off x="1302026" y="3776870"/>
-                <a:ext cx="7146235" cy="610936"/>
+                <a:ext cx="7146235" cy="1084784"/>
               </a:xfrm>
               <a:prstGeom prst="rect">
                 <a:avLst/>
               </a:prstGeom>
               <a:blipFill>
-                <a:blip r:embed="rId3"/>
+                <a:blip r:embed="rId4"/>
                 <a:stretch>
-                  <a:fillRect/>
+                  <a:fillRect l="-768" b="-1124"/>
                 </a:stretch>
               </a:blipFill>
             </p:spPr>
@@ -5636,4 +6654,299 @@
     </a:ext>
   </a:extLst>
 </a:theme>
+</file>
+
+<file path=ppt/theme/theme2.xml><?xml version="1.0" encoding="utf-8"?>
+<a:theme xmlns:a="http://schemas.openxmlformats.org/drawingml/2006/main" name="Thème Office">
+  <a:themeElements>
+    <a:clrScheme name="Office">
+      <a:dk1>
+        <a:sysClr val="windowText" lastClr="000000"/>
+      </a:dk1>
+      <a:lt1>
+        <a:sysClr val="window" lastClr="FFFFFF"/>
+      </a:lt1>
+      <a:dk2>
+        <a:srgbClr val="44546A"/>
+      </a:dk2>
+      <a:lt2>
+        <a:srgbClr val="E7E6E6"/>
+      </a:lt2>
+      <a:accent1>
+        <a:srgbClr val="4472C4"/>
+      </a:accent1>
+      <a:accent2>
+        <a:srgbClr val="ED7D31"/>
+      </a:accent2>
+      <a:accent3>
+        <a:srgbClr val="A5A5A5"/>
+      </a:accent3>
+      <a:accent4>
+        <a:srgbClr val="FFC000"/>
+      </a:accent4>
+      <a:accent5>
+        <a:srgbClr val="5B9BD5"/>
+      </a:accent5>
+      <a:accent6>
+        <a:srgbClr val="70AD47"/>
+      </a:accent6>
+      <a:hlink>
+        <a:srgbClr val="0563C1"/>
+      </a:hlink>
+      <a:folHlink>
+        <a:srgbClr val="954F72"/>
+      </a:folHlink>
+    </a:clrScheme>
+    <a:fontScheme name="Office">
+      <a:majorFont>
+        <a:latin typeface="Calibri Light" panose="020F0302020204030204"/>
+        <a:ea typeface=""/>
+        <a:cs typeface=""/>
+        <a:font script="Jpan" typeface="游ゴシック Light"/>
+        <a:font script="Hang" typeface="맑은 고딕"/>
+        <a:font script="Hans" typeface="等线 Light"/>
+        <a:font script="Hant" typeface="新細明體"/>
+        <a:font script="Arab" typeface="Times New Roman"/>
+        <a:font script="Hebr" typeface="Times New Roman"/>
+        <a:font script="Thai" typeface="Angsana New"/>
+        <a:font script="Ethi" typeface="Nyala"/>
+        <a:font script="Beng" typeface="Vrinda"/>
+        <a:font script="Gujr" typeface="Shruti"/>
+        <a:font script="Khmr" typeface="MoolBoran"/>
+        <a:font script="Knda" typeface="Tunga"/>
+        <a:font script="Guru" typeface="Raavi"/>
+        <a:font script="Cans" typeface="Euphemia"/>
+        <a:font script="Cher" typeface="Plantagenet Cherokee"/>
+        <a:font script="Yiii" typeface="Microsoft Yi Baiti"/>
+        <a:font script="Tibt" typeface="Microsoft Himalaya"/>
+        <a:font script="Thaa" typeface="MV Boli"/>
+        <a:font script="Deva" typeface="Mangal"/>
+        <a:font script="Telu" typeface="Gautami"/>
+        <a:font script="Taml" typeface="Latha"/>
+        <a:font script="Syrc" typeface="Estrangelo Edessa"/>
+        <a:font script="Orya" typeface="Kalinga"/>
+        <a:font script="Mlym" typeface="Kartika"/>
+        <a:font script="Laoo" typeface="DokChampa"/>
+        <a:font script="Sinh" typeface="Iskoola Pota"/>
+        <a:font script="Mong" typeface="Mongolian Baiti"/>
+        <a:font script="Viet" typeface="Times New Roman"/>
+        <a:font script="Uigh" typeface="Microsoft Uighur"/>
+        <a:font script="Geor" typeface="Sylfaen"/>
+        <a:font script="Armn" typeface="Arial"/>
+        <a:font script="Bugi" typeface="Leelawadee UI"/>
+        <a:font script="Bopo" typeface="Microsoft JhengHei"/>
+        <a:font script="Java" typeface="Javanese Text"/>
+        <a:font script="Lisu" typeface="Segoe UI"/>
+        <a:font script="Mymr" typeface="Myanmar Text"/>
+        <a:font script="Nkoo" typeface="Ebrima"/>
+        <a:font script="Olck" typeface="Nirmala UI"/>
+        <a:font script="Osma" typeface="Ebrima"/>
+        <a:font script="Phag" typeface="Phagspa"/>
+        <a:font script="Syrn" typeface="Estrangelo Edessa"/>
+        <a:font script="Syrj" typeface="Estrangelo Edessa"/>
+        <a:font script="Syre" typeface="Estrangelo Edessa"/>
+        <a:font script="Sora" typeface="Nirmala UI"/>
+        <a:font script="Tale" typeface="Microsoft Tai Le"/>
+        <a:font script="Talu" typeface="Microsoft New Tai Lue"/>
+        <a:font script="Tfng" typeface="Ebrima"/>
+      </a:majorFont>
+      <a:minorFont>
+        <a:latin typeface="Calibri" panose="020F0502020204030204"/>
+        <a:ea typeface=""/>
+        <a:cs typeface=""/>
+        <a:font script="Jpan" typeface="游ゴシック"/>
+        <a:font script="Hang" typeface="맑은 고딕"/>
+        <a:font script="Hans" typeface="等线"/>
+        <a:font script="Hant" typeface="新細明體"/>
+        <a:font script="Arab" typeface="Arial"/>
+        <a:font script="Hebr" typeface="Arial"/>
+        <a:font script="Thai" typeface="Cordia New"/>
+        <a:font script="Ethi" typeface="Nyala"/>
+        <a:font script="Beng" typeface="Vrinda"/>
+        <a:font script="Gujr" typeface="Shruti"/>
+        <a:font script="Khmr" typeface="DaunPenh"/>
+        <a:font script="Knda" typeface="Tunga"/>
+        <a:font script="Guru" typeface="Raavi"/>
+        <a:font script="Cans" typeface="Euphemia"/>
+        <a:font script="Cher" typeface="Plantagenet Cherokee"/>
+        <a:font script="Yiii" typeface="Microsoft Yi Baiti"/>
+        <a:font script="Tibt" typeface="Microsoft Himalaya"/>
+        <a:font script="Thaa" typeface="MV Boli"/>
+        <a:font script="Deva" typeface="Mangal"/>
+        <a:font script="Telu" typeface="Gautami"/>
+        <a:font script="Taml" typeface="Latha"/>
+        <a:font script="Syrc" typeface="Estrangelo Edessa"/>
+        <a:font script="Orya" typeface="Kalinga"/>
+        <a:font script="Mlym" typeface="Kartika"/>
+        <a:font script="Laoo" typeface="DokChampa"/>
+        <a:font script="Sinh" typeface="Iskoola Pota"/>
+        <a:font script="Mong" typeface="Mongolian Baiti"/>
+        <a:font script="Viet" typeface="Arial"/>
+        <a:font script="Uigh" typeface="Microsoft Uighur"/>
+        <a:font script="Geor" typeface="Sylfaen"/>
+        <a:font script="Armn" typeface="Arial"/>
+        <a:font script="Bugi" typeface="Leelawadee UI"/>
+        <a:font script="Bopo" typeface="Microsoft JhengHei"/>
+        <a:font script="Java" typeface="Javanese Text"/>
+        <a:font script="Lisu" typeface="Segoe UI"/>
+        <a:font script="Mymr" typeface="Myanmar Text"/>
+        <a:font script="Nkoo" typeface="Ebrima"/>
+        <a:font script="Olck" typeface="Nirmala UI"/>
+        <a:font script="Osma" typeface="Ebrima"/>
+        <a:font script="Phag" typeface="Phagspa"/>
+        <a:font script="Syrn" typeface="Estrangelo Edessa"/>
+        <a:font script="Syrj" typeface="Estrangelo Edessa"/>
+        <a:font script="Syre" typeface="Estrangelo Edessa"/>
+        <a:font script="Sora" typeface="Nirmala UI"/>
+        <a:font script="Tale" typeface="Microsoft Tai Le"/>
+        <a:font script="Talu" typeface="Microsoft New Tai Lue"/>
+        <a:font script="Tfng" typeface="Ebrima"/>
+      </a:minorFont>
+    </a:fontScheme>
+    <a:fmtScheme name="Office">
+      <a:fillStyleLst>
+        <a:solidFill>
+          <a:schemeClr val="phClr"/>
+        </a:solidFill>
+        <a:gradFill rotWithShape="1">
+          <a:gsLst>
+            <a:gs pos="0">
+              <a:schemeClr val="phClr">
+                <a:lumMod val="110000"/>
+                <a:satMod val="105000"/>
+                <a:tint val="67000"/>
+              </a:schemeClr>
+            </a:gs>
+            <a:gs pos="50000">
+              <a:schemeClr val="phClr">
+                <a:lumMod val="105000"/>
+                <a:satMod val="103000"/>
+                <a:tint val="73000"/>
+              </a:schemeClr>
+            </a:gs>
+            <a:gs pos="100000">
+              <a:schemeClr val="phClr">
+                <a:lumMod val="105000"/>
+                <a:satMod val="109000"/>
+                <a:tint val="81000"/>
+              </a:schemeClr>
+            </a:gs>
+          </a:gsLst>
+          <a:lin ang="5400000" scaled="0"/>
+        </a:gradFill>
+        <a:gradFill rotWithShape="1">
+          <a:gsLst>
+            <a:gs pos="0">
+              <a:schemeClr val="phClr">
+                <a:satMod val="103000"/>
+                <a:lumMod val="102000"/>
+                <a:tint val="94000"/>
+              </a:schemeClr>
+            </a:gs>
+            <a:gs pos="50000">
+              <a:schemeClr val="phClr">
+                <a:satMod val="110000"/>
+                <a:lumMod val="100000"/>
+                <a:shade val="100000"/>
+              </a:schemeClr>
+            </a:gs>
+            <a:gs pos="100000">
+              <a:schemeClr val="phClr">
+                <a:lumMod val="99000"/>
+                <a:satMod val="120000"/>
+                <a:shade val="78000"/>
+              </a:schemeClr>
+            </a:gs>
+          </a:gsLst>
+          <a:lin ang="5400000" scaled="0"/>
+        </a:gradFill>
+      </a:fillStyleLst>
+      <a:lnStyleLst>
+        <a:ln w="6350" cap="flat" cmpd="sng" algn="ctr">
+          <a:solidFill>
+            <a:schemeClr val="phClr"/>
+          </a:solidFill>
+          <a:prstDash val="solid"/>
+          <a:miter lim="800000"/>
+        </a:ln>
+        <a:ln w="12700" cap="flat" cmpd="sng" algn="ctr">
+          <a:solidFill>
+            <a:schemeClr val="phClr"/>
+          </a:solidFill>
+          <a:prstDash val="solid"/>
+          <a:miter lim="800000"/>
+        </a:ln>
+        <a:ln w="19050" cap="flat" cmpd="sng" algn="ctr">
+          <a:solidFill>
+            <a:schemeClr val="phClr"/>
+          </a:solidFill>
+          <a:prstDash val="solid"/>
+          <a:miter lim="800000"/>
+        </a:ln>
+      </a:lnStyleLst>
+      <a:effectStyleLst>
+        <a:effectStyle>
+          <a:effectLst/>
+        </a:effectStyle>
+        <a:effectStyle>
+          <a:effectLst/>
+        </a:effectStyle>
+        <a:effectStyle>
+          <a:effectLst>
+            <a:outerShdw blurRad="57150" dist="19050" dir="5400000" algn="ctr" rotWithShape="0">
+              <a:srgbClr val="000000">
+                <a:alpha val="63000"/>
+              </a:srgbClr>
+            </a:outerShdw>
+          </a:effectLst>
+        </a:effectStyle>
+      </a:effectStyleLst>
+      <a:bgFillStyleLst>
+        <a:solidFill>
+          <a:schemeClr val="phClr"/>
+        </a:solidFill>
+        <a:solidFill>
+          <a:schemeClr val="phClr">
+            <a:tint val="95000"/>
+            <a:satMod val="170000"/>
+          </a:schemeClr>
+        </a:solidFill>
+        <a:gradFill rotWithShape="1">
+          <a:gsLst>
+            <a:gs pos="0">
+              <a:schemeClr val="phClr">
+                <a:tint val="93000"/>
+                <a:satMod val="150000"/>
+                <a:shade val="98000"/>
+                <a:lumMod val="102000"/>
+              </a:schemeClr>
+            </a:gs>
+            <a:gs pos="50000">
+              <a:schemeClr val="phClr">
+                <a:tint val="98000"/>
+                <a:satMod val="130000"/>
+                <a:shade val="90000"/>
+                <a:lumMod val="103000"/>
+              </a:schemeClr>
+            </a:gs>
+            <a:gs pos="100000">
+              <a:schemeClr val="phClr">
+                <a:shade val="63000"/>
+                <a:satMod val="120000"/>
+              </a:schemeClr>
+            </a:gs>
+          </a:gsLst>
+          <a:lin ang="5400000" scaled="0"/>
+        </a:gradFill>
+      </a:bgFillStyleLst>
+    </a:fmtScheme>
+  </a:themeElements>
+  <a:objectDefaults/>
+  <a:extraClrSchemeLst/>
+  <a:extLst>
+    <a:ext uri="{05A4C25C-085E-4340-85A3-A5531E510DB2}">
+      <thm15:themeFamily xmlns:thm15="http://schemas.microsoft.com/office/thememl/2012/main" name="Office Theme" id="{62F939B6-93AF-4DB8-9C6B-D6C7DFDC589F}" vid="{4A3C46E8-61CC-4603-A589-7422A47A8E4A}"/>
+    </a:ext>
+  </a:extLst>
+</a:theme>
 </file>